--- a/Posters/PosterWeek2.pptx
+++ b/Posters/PosterWeek2.pptx
@@ -4071,26 +4071,14 @@
             </a:pPr>
             <a:r>
               <a:rPr lang="nl-NL" sz="1100" b="1" dirty="0" smtClean="0"/>
-              <a:t>Tomas </a:t>
-            </a:r>
-            <a:r>
-              <a:rPr lang="nl-NL" sz="1100" b="1" dirty="0" err="1" smtClean="0"/>
-              <a:t>Heinsohn</a:t>
-            </a:r>
-            <a:r>
-              <a:rPr lang="nl-NL" sz="1100" b="1" dirty="0" smtClean="0"/>
-              <a:t> </a:t>
-            </a:r>
-            <a:r>
-              <a:rPr lang="nl-NL" sz="1100" b="1" dirty="0" err="1" smtClean="0"/>
-              <a:t>Huala</a:t>
-            </a:r>
-            <a:r>
-              <a:rPr lang="nl-NL" sz="1100" smtClean="0"/>
+              <a:t>Tomas Heinsohn Huala</a:t>
+            </a:r>
+            <a:r>
+              <a:rPr lang="nl-NL" sz="1100" dirty="0" smtClean="0"/>
               <a:t>	</a:t>
             </a:r>
             <a:r>
-              <a:rPr lang="nl-NL" sz="1100" smtClean="0"/>
+              <a:rPr lang="nl-NL" sz="1100" dirty="0" smtClean="0"/>
               <a:t>4326318</a:t>
             </a:r>
             <a:endParaRPr lang="nl-NL" sz="1100" dirty="0" smtClean="0"/>
